--- a/Hand Gesture Recognition.pptx
+++ b/Hand Gesture Recognition.pptx
@@ -292,7 +292,7 @@
             <a:fld id="{87DE6118-2437-4B30-8E3C-4D2BE6020583}" type="datetimeFigureOut">
               <a:rPr lang="en-US" dirty="0"/>
               <a:pPr/>
-              <a:t>24/6/2022</a:t>
+              <a:t>6/24/2022</a:t>
             </a:fld>
             <a:endParaRPr lang="en-US" dirty="0"/>
           </a:p>
@@ -618,7 +618,7 @@
           <a:p>
             <a:fld id="{87DE6118-2437-4B30-8E3C-4D2BE6020583}" type="datetimeFigureOut">
               <a:rPr lang="en-US" dirty="0"/>
-              <a:t>24/6/2022</a:t>
+              <a:t>6/24/2022</a:t>
             </a:fld>
             <a:endParaRPr lang="en-US" dirty="0"/>
           </a:p>
@@ -793,7 +793,7 @@
           <a:p>
             <a:fld id="{87DE6118-2437-4B30-8E3C-4D2BE6020583}" type="datetimeFigureOut">
               <a:rPr lang="en-US" dirty="0"/>
-              <a:t>24/6/2022</a:t>
+              <a:t>6/24/2022</a:t>
             </a:fld>
             <a:endParaRPr lang="en-US" dirty="0"/>
           </a:p>
@@ -958,7 +958,7 @@
           <a:p>
             <a:fld id="{87DE6118-2437-4B30-8E3C-4D2BE6020583}" type="datetimeFigureOut">
               <a:rPr lang="en-US" dirty="0"/>
-              <a:t>24/6/2022</a:t>
+              <a:t>6/24/2022</a:t>
             </a:fld>
             <a:endParaRPr lang="en-US" dirty="0"/>
           </a:p>
@@ -1231,7 +1231,7 @@
             <a:fld id="{87DE6118-2437-4B30-8E3C-4D2BE6020583}" type="datetimeFigureOut">
               <a:rPr lang="en-US" dirty="0"/>
               <a:pPr/>
-              <a:t>24/6/2022</a:t>
+              <a:t>6/24/2022</a:t>
             </a:fld>
             <a:endParaRPr lang="en-US" dirty="0"/>
           </a:p>
@@ -1621,7 +1621,7 @@
           <a:p>
             <a:fld id="{87DE6118-2437-4B30-8E3C-4D2BE6020583}" type="datetimeFigureOut">
               <a:rPr lang="en-US" dirty="0"/>
-              <a:t>24/6/2022</a:t>
+              <a:t>6/24/2022</a:t>
             </a:fld>
             <a:endParaRPr lang="en-US" dirty="0"/>
           </a:p>
@@ -2093,7 +2093,7 @@
           <a:p>
             <a:fld id="{87DE6118-2437-4B30-8E3C-4D2BE6020583}" type="datetimeFigureOut">
               <a:rPr lang="en-US" dirty="0"/>
-              <a:t>24/6/2022</a:t>
+              <a:t>6/24/2022</a:t>
             </a:fld>
             <a:endParaRPr lang="en-US" dirty="0"/>
           </a:p>
@@ -2206,7 +2206,7 @@
           <a:p>
             <a:fld id="{87DE6118-2437-4B30-8E3C-4D2BE6020583}" type="datetimeFigureOut">
               <a:rPr lang="en-US" dirty="0"/>
-              <a:t>24/6/2022</a:t>
+              <a:t>6/24/2022</a:t>
             </a:fld>
             <a:endParaRPr lang="en-US" dirty="0"/>
           </a:p>
@@ -2296,7 +2296,7 @@
           <a:p>
             <a:fld id="{87DE6118-2437-4B30-8E3C-4D2BE6020583}" type="datetimeFigureOut">
               <a:rPr lang="en-US" dirty="0"/>
-              <a:t>24/6/2022</a:t>
+              <a:t>6/24/2022</a:t>
             </a:fld>
             <a:endParaRPr lang="en-US" dirty="0"/>
           </a:p>
@@ -2638,7 +2638,7 @@
             <a:fld id="{87DE6118-2437-4B30-8E3C-4D2BE6020583}" type="datetimeFigureOut">
               <a:rPr lang="en-US" dirty="0"/>
               <a:pPr/>
-              <a:t>24/6/2022</a:t>
+              <a:t>6/24/2022</a:t>
             </a:fld>
             <a:endParaRPr lang="en-US" dirty="0"/>
           </a:p>
@@ -3023,7 +3023,7 @@
             <a:fld id="{87DE6118-2437-4B30-8E3C-4D2BE6020583}" type="datetimeFigureOut">
               <a:rPr lang="en-US" dirty="0"/>
               <a:pPr/>
-              <a:t>24/6/2022</a:t>
+              <a:t>6/24/2022</a:t>
             </a:fld>
             <a:endParaRPr lang="en-US" dirty="0"/>
           </a:p>
@@ -3298,7 +3298,7 @@
             <a:fld id="{87DE6118-2437-4B30-8E3C-4D2BE6020583}" type="datetimeFigureOut">
               <a:rPr lang="en-US" dirty="0"/>
               <a:pPr/>
-              <a:t>24/6/2022</a:t>
+              <a:t>6/24/2022</a:t>
             </a:fld>
             <a:endParaRPr lang="en-US" dirty="0"/>
           </a:p>
@@ -4001,28 +4001,6 @@
                 <a:latin typeface="Segoe UI" panose="020B0502040204020203" pitchFamily="34" charset="0"/>
                 <a:ea typeface="Times New Roman" panose="02020603050405020304" pitchFamily="18" charset="0"/>
               </a:rPr>
-              <a:t>tạo</a:t>
-            </a:r>
-            <a:r>
-              <a:rPr lang="en-US" sz="1800" b="1" dirty="0">
-                <a:solidFill>
-                  <a:srgbClr val="24292F"/>
-                </a:solidFill>
-                <a:effectLst/>
-                <a:latin typeface="Segoe UI" panose="020B0502040204020203" pitchFamily="34" charset="0"/>
-                <a:ea typeface="Times New Roman" panose="02020603050405020304" pitchFamily="18" charset="0"/>
-              </a:rPr>
-              <a:t> </a:t>
-            </a:r>
-            <a:r>
-              <a:rPr lang="en-US" sz="1800" b="1" dirty="0" err="1">
-                <a:solidFill>
-                  <a:srgbClr val="24292F"/>
-                </a:solidFill>
-                <a:effectLst/>
-                <a:latin typeface="Segoe UI" panose="020B0502040204020203" pitchFamily="34" charset="0"/>
-                <a:ea typeface="Times New Roman" panose="02020603050405020304" pitchFamily="18" charset="0"/>
-              </a:rPr>
               <a:t>điều</a:t>
             </a:r>
             <a:r>
@@ -4312,18 +4290,26 @@
           <a:lstStyle/>
           <a:p>
             <a:r>
-              <a:rPr lang="en-US" b="1" dirty="0" err="1"/>
+              <a:rPr lang="en-US" b="1" dirty="0" err="1">
+                <a:latin typeface="Constantia" panose="02030602050306030303" pitchFamily="18" charset="0"/>
+              </a:rPr>
               <a:t>Kết</a:t>
             </a:r>
             <a:r>
-              <a:rPr lang="en-US" b="1" dirty="0"/>
+              <a:rPr lang="en-US" b="1" dirty="0">
+                <a:latin typeface="Constantia" panose="02030602050306030303" pitchFamily="18" charset="0"/>
+              </a:rPr>
               <a:t> </a:t>
             </a:r>
             <a:r>
-              <a:rPr lang="en-US" b="1" dirty="0" err="1"/>
+              <a:rPr lang="en-US" b="1" dirty="0" err="1">
+                <a:latin typeface="Constantia" panose="02030602050306030303" pitchFamily="18" charset="0"/>
+              </a:rPr>
               <a:t>Luận</a:t>
             </a:r>
-            <a:endParaRPr lang="en-US" b="1" dirty="0"/>
+            <a:endParaRPr lang="en-US" b="1" dirty="0">
+              <a:latin typeface="Constantia" panose="02030602050306030303" pitchFamily="18" charset="0"/>
+            </a:endParaRPr>
           </a:p>
         </p:txBody>
       </p:sp>
@@ -4415,7 +4401,7 @@
           <a:p>
             <a:pPr lvl="1"/>
             <a:r>
-              <a:rPr lang="en-US" dirty="0">
+              <a:rPr lang="en-US" i="0" dirty="0">
                 <a:solidFill>
                   <a:schemeClr val="tx1"/>
                 </a:solidFill>
@@ -5241,24 +5227,23 @@
                 <a:latin typeface="Arial" panose="020B0604020202020204" pitchFamily="34" charset="0"/>
                 <a:cs typeface="Arial" panose="020B0604020202020204" pitchFamily="34" charset="0"/>
               </a:rPr>
-              <a:t>nh hưởng hiệu năng máy cần điều kiện ảnh phù hợp để có độ chính xác cao</a:t>
-            </a:r>
-            <a:r>
-              <a:rPr lang="en-US" b="0" i="0" dirty="0">
+              <a:t>nh hưởng hiệu năng máy</a:t>
+            </a:r>
+          </a:p>
+          <a:p>
+            <a:pPr lvl="1"/>
+            <a:r>
+              <a:rPr lang="vi-VN" i="0" dirty="0">
                 <a:solidFill>
                   <a:schemeClr val="tx1"/>
                 </a:solidFill>
-                <a:effectLst/>
                 <a:latin typeface="Arial" panose="020B0604020202020204" pitchFamily="34" charset="0"/>
                 <a:cs typeface="Arial" panose="020B0604020202020204" pitchFamily="34" charset="0"/>
               </a:rPr>
-              <a:t>.</a:t>
-            </a:r>
-          </a:p>
-          <a:p>
-            <a:pPr lvl="1"/>
-            <a:r>
-              <a:rPr lang="en-US" b="0" i="0" dirty="0" err="1">
+              <a:t>C</a:t>
+            </a:r>
+            <a:r>
+              <a:rPr lang="vi-VN" b="0" i="0" dirty="0">
                 <a:solidFill>
                   <a:schemeClr val="tx1"/>
                 </a:solidFill>
@@ -5266,7 +5251,7 @@
                 <a:latin typeface="Arial" panose="020B0604020202020204" pitchFamily="34" charset="0"/>
                 <a:cs typeface="Arial" panose="020B0604020202020204" pitchFamily="34" charset="0"/>
               </a:rPr>
-              <a:t>Khả</a:t>
+              <a:t>ần điều kiện ảnh phù hợp để có độ chính xác cao</a:t>
             </a:r>
             <a:r>
               <a:rPr lang="en-US" b="0" i="0" dirty="0">
@@ -5277,147 +5262,8 @@
                 <a:latin typeface="Arial" panose="020B0604020202020204" pitchFamily="34" charset="0"/>
                 <a:cs typeface="Arial" panose="020B0604020202020204" pitchFamily="34" charset="0"/>
               </a:rPr>
-              <a:t> </a:t>
-            </a:r>
-            <a:r>
-              <a:rPr lang="en-US" b="0" i="0" dirty="0" err="1">
-                <a:solidFill>
-                  <a:schemeClr val="tx1"/>
-                </a:solidFill>
-                <a:effectLst/>
-                <a:latin typeface="Arial" panose="020B0604020202020204" pitchFamily="34" charset="0"/>
-                <a:cs typeface="Arial" panose="020B0604020202020204" pitchFamily="34" charset="0"/>
-              </a:rPr>
-              <a:t>năng</a:t>
-            </a:r>
-            <a:r>
-              <a:rPr lang="en-US" b="0" i="0" dirty="0">
-                <a:solidFill>
-                  <a:schemeClr val="tx1"/>
-                </a:solidFill>
-                <a:effectLst/>
-                <a:latin typeface="Arial" panose="020B0604020202020204" pitchFamily="34" charset="0"/>
-                <a:cs typeface="Arial" panose="020B0604020202020204" pitchFamily="34" charset="0"/>
-              </a:rPr>
-              <a:t> detect </a:t>
-            </a:r>
-            <a:r>
-              <a:rPr lang="en-US" b="0" i="0" dirty="0" err="1">
-                <a:solidFill>
-                  <a:schemeClr val="tx1"/>
-                </a:solidFill>
-                <a:effectLst/>
-                <a:latin typeface="Arial" panose="020B0604020202020204" pitchFamily="34" charset="0"/>
-                <a:cs typeface="Arial" panose="020B0604020202020204" pitchFamily="34" charset="0"/>
-              </a:rPr>
-              <a:t>phụ</a:t>
-            </a:r>
-            <a:r>
-              <a:rPr lang="en-US" b="0" i="0" dirty="0">
-                <a:solidFill>
-                  <a:schemeClr val="tx1"/>
-                </a:solidFill>
-                <a:effectLst/>
-                <a:latin typeface="Arial" panose="020B0604020202020204" pitchFamily="34" charset="0"/>
-                <a:cs typeface="Arial" panose="020B0604020202020204" pitchFamily="34" charset="0"/>
-              </a:rPr>
-              <a:t> </a:t>
-            </a:r>
-            <a:r>
-              <a:rPr lang="en-US" b="0" i="0" dirty="0" err="1">
-                <a:solidFill>
-                  <a:schemeClr val="tx1"/>
-                </a:solidFill>
-                <a:effectLst/>
-                <a:latin typeface="Arial" panose="020B0604020202020204" pitchFamily="34" charset="0"/>
-                <a:cs typeface="Arial" panose="020B0604020202020204" pitchFamily="34" charset="0"/>
-              </a:rPr>
-              <a:t>thuộc</a:t>
-            </a:r>
-            <a:r>
-              <a:rPr lang="en-US" b="0" i="0" dirty="0">
-                <a:solidFill>
-                  <a:schemeClr val="tx1"/>
-                </a:solidFill>
-                <a:effectLst/>
-                <a:latin typeface="Arial" panose="020B0604020202020204" pitchFamily="34" charset="0"/>
-                <a:cs typeface="Arial" panose="020B0604020202020204" pitchFamily="34" charset="0"/>
-              </a:rPr>
-              <a:t> </a:t>
-            </a:r>
-            <a:r>
-              <a:rPr lang="en-US" b="0" i="0" dirty="0" err="1">
-                <a:solidFill>
-                  <a:schemeClr val="tx1"/>
-                </a:solidFill>
-                <a:effectLst/>
-                <a:latin typeface="Arial" panose="020B0604020202020204" pitchFamily="34" charset="0"/>
-                <a:cs typeface="Arial" panose="020B0604020202020204" pitchFamily="34" charset="0"/>
-              </a:rPr>
-              <a:t>vào</a:t>
-            </a:r>
-            <a:r>
-              <a:rPr lang="en-US" b="0" i="0" dirty="0">
-                <a:solidFill>
-                  <a:schemeClr val="tx1"/>
-                </a:solidFill>
-                <a:effectLst/>
-                <a:latin typeface="Arial" panose="020B0604020202020204" pitchFamily="34" charset="0"/>
-                <a:cs typeface="Arial" panose="020B0604020202020204" pitchFamily="34" charset="0"/>
-              </a:rPr>
-              <a:t> </a:t>
-            </a:r>
-            <a:r>
-              <a:rPr lang="en-US" b="0" i="0" dirty="0" err="1">
-                <a:solidFill>
-                  <a:schemeClr val="tx1"/>
-                </a:solidFill>
-                <a:effectLst/>
-                <a:latin typeface="Arial" panose="020B0604020202020204" pitchFamily="34" charset="0"/>
-                <a:cs typeface="Arial" panose="020B0604020202020204" pitchFamily="34" charset="0"/>
-              </a:rPr>
-              <a:t>phông</a:t>
-            </a:r>
-            <a:r>
-              <a:rPr lang="en-US" b="0" i="0" dirty="0">
-                <a:solidFill>
-                  <a:schemeClr val="tx1"/>
-                </a:solidFill>
-                <a:effectLst/>
-                <a:latin typeface="Arial" panose="020B0604020202020204" pitchFamily="34" charset="0"/>
-                <a:cs typeface="Arial" panose="020B0604020202020204" pitchFamily="34" charset="0"/>
-              </a:rPr>
-              <a:t> </a:t>
-            </a:r>
-            <a:r>
-              <a:rPr lang="en-US" b="0" i="0" dirty="0" err="1">
-                <a:solidFill>
-                  <a:schemeClr val="tx1"/>
-                </a:solidFill>
-                <a:effectLst/>
-                <a:latin typeface="Arial" panose="020B0604020202020204" pitchFamily="34" charset="0"/>
-                <a:cs typeface="Arial" panose="020B0604020202020204" pitchFamily="34" charset="0"/>
-              </a:rPr>
-              <a:t>nền</a:t>
-            </a:r>
-            <a:r>
-              <a:rPr lang="en-US" i="0" dirty="0">
-                <a:solidFill>
-                  <a:schemeClr val="tx1"/>
-                </a:solidFill>
-                <a:latin typeface="Arial" panose="020B0604020202020204" pitchFamily="34" charset="0"/>
-                <a:cs typeface="Arial" panose="020B0604020202020204" pitchFamily="34" charset="0"/>
-              </a:rPr>
               <a:t>.</a:t>
             </a:r>
-            <a:endParaRPr lang="en-US" b="0" i="0" dirty="0">
-              <a:solidFill>
-                <a:schemeClr val="tx1"/>
-              </a:solidFill>
-              <a:effectLst/>
-              <a:latin typeface="Arial" panose="020B0604020202020204" pitchFamily="34" charset="0"/>
-              <a:cs typeface="Arial" panose="020B0604020202020204" pitchFamily="34" charset="0"/>
-            </a:endParaRPr>
           </a:p>
         </p:txBody>
       </p:sp>
@@ -6771,13 +6617,13 @@
   <p:clrMapOvr>
     <a:masterClrMapping/>
   </p:clrMapOvr>
-  <mc:AlternateContent xmlns:mc="http://schemas.openxmlformats.org/markup-compatibility/2006">
-    <mc:Choice xmlns:p14="http://schemas.microsoft.com/office/powerpoint/2010/main" Requires="p14">
+  <mc:AlternateContent xmlns:mc="http://schemas.openxmlformats.org/markup-compatibility/2006" xmlns:p14="http://schemas.microsoft.com/office/powerpoint/2010/main">
+    <mc:Choice Requires="p14">
       <p:transition spd="med">
         <p14:reveal/>
       </p:transition>
     </mc:Choice>
-    <mc:Fallback>
+    <mc:Fallback xmlns="">
       <p:transition spd="med">
         <p:fade/>
       </p:transition>
@@ -7678,20 +7524,24 @@
               <a:buNone/>
             </a:pPr>
             <a:r>
-              <a:rPr lang="en-US" b="1" i="0" dirty="0">
-                <a:effectLst/>
-                <a:latin typeface="-apple-system"/>
-              </a:rPr>
-              <a:t>4. Copy Model Config to Training Folder</a:t>
-            </a:r>
-          </a:p>
-          <a:p>
-            <a:pPr marL="530352" lvl="1" indent="0">
+              <a:rPr lang="en-US" dirty="0"/>
+              <a:t>	Model: ssd_mobilenet_v2_fpnlite_320x320_coco17_tpu-8</a:t>
+            </a:r>
+            <a:endParaRPr lang="en-US" b="1" i="0" dirty="0">
+              <a:effectLst/>
+              <a:latin typeface="-apple-system"/>
+            </a:endParaRPr>
+          </a:p>
+          <a:p>
+            <a:pPr marL="0" indent="0">
               <a:buNone/>
             </a:pPr>
             <a:r>
-              <a:rPr lang="en-US" dirty="0"/>
-              <a:t>Model: ssd_mobilenet_v2_fpnlite_320x320_coco17_tpu-8</a:t>
+              <a:rPr lang="en-US" b="1" i="0" dirty="0">
+                <a:effectLst/>
+                <a:latin typeface="-apple-system"/>
+              </a:rPr>
+              <a:t>4. Copy Model Config to Training Folder</a:t>
             </a:r>
           </a:p>
           <a:p>
@@ -7887,15 +7737,33 @@
                                   </p:childTnLst>
                                 </p:cTn>
                               </p:par>
+                            </p:childTnLst>
+                          </p:cTn>
+                        </p:par>
+                      </p:childTnLst>
+                    </p:cTn>
+                  </p:par>
+                  <p:par>
+                    <p:cTn id="13" fill="hold">
+                      <p:stCondLst>
+                        <p:cond delay="indefinite"/>
+                      </p:stCondLst>
+                      <p:childTnLst>
+                        <p:par>
+                          <p:cTn id="14" fill="hold">
+                            <p:stCondLst>
+                              <p:cond delay="0"/>
+                            </p:stCondLst>
+                            <p:childTnLst>
                               <p:par>
-                                <p:cTn id="13" presetID="22" presetClass="entr" presetSubtype="4" fill="hold" nodeType="withEffect">
+                                <p:cTn id="15" presetID="22" presetClass="entr" presetSubtype="4" fill="hold" nodeType="clickEffect">
                                   <p:stCondLst>
                                     <p:cond delay="0"/>
                                   </p:stCondLst>
                                   <p:childTnLst>
                                     <p:set>
                                       <p:cBhvr>
-                                        <p:cTn id="14" dur="1" fill="hold">
+                                        <p:cTn id="16" dur="1" fill="hold">
                                           <p:stCondLst>
                                             <p:cond delay="0"/>
                                           </p:stCondLst>
@@ -7917,7 +7785,7 @@
                                     </p:set>
                                     <p:animEffect transition="in" filter="wipe(down)">
                                       <p:cBhvr>
-                                        <p:cTn id="15" dur="500"/>
+                                        <p:cTn id="17" dur="500"/>
                                         <p:tgtEl>
                                           <p:spTgt spid="3">
                                             <p:txEl>
@@ -7937,26 +7805,26 @@
                     </p:cTn>
                   </p:par>
                   <p:par>
-                    <p:cTn id="16" fill="hold">
+                    <p:cTn id="18" fill="hold">
                       <p:stCondLst>
                         <p:cond delay="indefinite"/>
                       </p:stCondLst>
                       <p:childTnLst>
                         <p:par>
-                          <p:cTn id="17" fill="hold">
+                          <p:cTn id="19" fill="hold">
                             <p:stCondLst>
                               <p:cond delay="0"/>
                             </p:stCondLst>
                             <p:childTnLst>
                               <p:par>
-                                <p:cTn id="18" presetID="22" presetClass="entr" presetSubtype="4" fill="hold" nodeType="clickEffect">
+                                <p:cTn id="20" presetID="22" presetClass="entr" presetSubtype="4" fill="hold" nodeType="clickEffect">
                                   <p:stCondLst>
                                     <p:cond delay="0"/>
                                   </p:stCondLst>
                                   <p:childTnLst>
                                     <p:set>
                                       <p:cBhvr>
-                                        <p:cTn id="19" dur="1" fill="hold">
+                                        <p:cTn id="21" dur="1" fill="hold">
                                           <p:stCondLst>
                                             <p:cond delay="0"/>
                                           </p:stCondLst>
@@ -7978,7 +7846,7 @@
                                     </p:set>
                                     <p:animEffect transition="in" filter="wipe(down)">
                                       <p:cBhvr>
-                                        <p:cTn id="20" dur="500"/>
+                                        <p:cTn id="22" dur="500"/>
                                         <p:tgtEl>
                                           <p:spTgt spid="3">
                                             <p:txEl>
@@ -7998,26 +7866,26 @@
                     </p:cTn>
                   </p:par>
                   <p:par>
-                    <p:cTn id="21" fill="hold">
+                    <p:cTn id="23" fill="hold">
                       <p:stCondLst>
                         <p:cond delay="indefinite"/>
                       </p:stCondLst>
                       <p:childTnLst>
                         <p:par>
-                          <p:cTn id="22" fill="hold">
+                          <p:cTn id="24" fill="hold">
                             <p:stCondLst>
                               <p:cond delay="0"/>
                             </p:stCondLst>
                             <p:childTnLst>
                               <p:par>
-                                <p:cTn id="23" presetID="22" presetClass="entr" presetSubtype="4" fill="hold" nodeType="clickEffect">
+                                <p:cTn id="25" presetID="22" presetClass="entr" presetSubtype="4" fill="hold" nodeType="clickEffect">
                                   <p:stCondLst>
                                     <p:cond delay="0"/>
                                   </p:stCondLst>
                                   <p:childTnLst>
                                     <p:set>
                                       <p:cBhvr>
-                                        <p:cTn id="24" dur="1" fill="hold">
+                                        <p:cTn id="26" dur="1" fill="hold">
                                           <p:stCondLst>
                                             <p:cond delay="0"/>
                                           </p:stCondLst>
@@ -8035,7 +7903,7 @@
                                     </p:set>
                                     <p:animEffect transition="in" filter="wipe(down)">
                                       <p:cBhvr>
-                                        <p:cTn id="25" dur="500"/>
+                                        <p:cTn id="27" dur="500"/>
                                         <p:tgtEl>
                                           <p:spTgt spid="7"/>
                                         </p:tgtEl>
@@ -9295,38 +9163,263 @@
                 <a:effectLst/>
                 <a:latin typeface="-apple-system"/>
               </a:rPr>
-              <a:t> Otsu's method</a:t>
+              <a:t> </a:t>
+            </a:r>
+            <a:r>
+              <a:rPr lang="en-US" b="1" i="0" dirty="0" err="1">
+                <a:solidFill>
+                  <a:srgbClr val="24292F"/>
+                </a:solidFill>
+                <a:effectLst/>
+                <a:latin typeface="-apple-system"/>
+              </a:rPr>
+              <a:t>phương</a:t>
+            </a:r>
+            <a:r>
+              <a:rPr lang="en-US" b="1" i="0" dirty="0">
+                <a:solidFill>
+                  <a:srgbClr val="24292F"/>
+                </a:solidFill>
+                <a:effectLst/>
+                <a:latin typeface="-apple-system"/>
+              </a:rPr>
+              <a:t> </a:t>
+            </a:r>
+            <a:r>
+              <a:rPr lang="en-US" b="1" i="0" dirty="0" err="1">
+                <a:solidFill>
+                  <a:srgbClr val="24292F"/>
+                </a:solidFill>
+                <a:effectLst/>
+                <a:latin typeface="-apple-system"/>
+              </a:rPr>
+              <a:t>pháp</a:t>
+            </a:r>
+            <a:r>
+              <a:rPr lang="en-US" b="1" i="0" dirty="0">
+                <a:solidFill>
+                  <a:srgbClr val="24292F"/>
+                </a:solidFill>
+                <a:effectLst/>
+                <a:latin typeface="-apple-system"/>
+              </a:rPr>
+              <a:t> Otsu’</a:t>
             </a:r>
           </a:p>
           <a:p>
             <a:pPr lvl="1"/>
             <a:r>
+              <a:rPr lang="en-US" b="1" i="0" dirty="0" err="1">
+                <a:solidFill>
+                  <a:srgbClr val="24292F"/>
+                </a:solidFill>
+                <a:latin typeface="-apple-system"/>
+              </a:rPr>
+              <a:t>Tìm</a:t>
+            </a:r>
+            <a:r>
               <a:rPr lang="en-US" b="1" i="0" dirty="0">
                 <a:solidFill>
                   <a:srgbClr val="24292F"/>
                 </a:solidFill>
-                <a:effectLst/>
                 <a:latin typeface="-apple-system"/>
               </a:rPr>
-              <a:t>Find contour with max area</a:t>
-            </a:r>
+              <a:t> contour </a:t>
+            </a:r>
+            <a:r>
+              <a:rPr lang="en-US" b="1" i="0" dirty="0" err="1">
+                <a:solidFill>
+                  <a:srgbClr val="24292F"/>
+                </a:solidFill>
+                <a:latin typeface="-apple-system"/>
+              </a:rPr>
+              <a:t>với</a:t>
+            </a:r>
+            <a:r>
+              <a:rPr lang="en-US" b="1" i="0" dirty="0">
+                <a:solidFill>
+                  <a:srgbClr val="24292F"/>
+                </a:solidFill>
+                <a:latin typeface="-apple-system"/>
+              </a:rPr>
+              <a:t> </a:t>
+            </a:r>
+            <a:r>
+              <a:rPr lang="en-US" b="1" i="0" dirty="0" err="1">
+                <a:solidFill>
+                  <a:srgbClr val="24292F"/>
+                </a:solidFill>
+                <a:latin typeface="-apple-system"/>
+              </a:rPr>
+              <a:t>diện</a:t>
+            </a:r>
+            <a:r>
+              <a:rPr lang="en-US" b="1" i="0" dirty="0">
+                <a:solidFill>
+                  <a:srgbClr val="24292F"/>
+                </a:solidFill>
+                <a:latin typeface="-apple-system"/>
+              </a:rPr>
+              <a:t> </a:t>
+            </a:r>
+            <a:r>
+              <a:rPr lang="en-US" b="1" i="0" dirty="0" err="1">
+                <a:solidFill>
+                  <a:srgbClr val="24292F"/>
+                </a:solidFill>
+                <a:latin typeface="-apple-system"/>
+              </a:rPr>
+              <a:t>tích</a:t>
+            </a:r>
+            <a:r>
+              <a:rPr lang="en-US" b="1" i="0" dirty="0">
+                <a:solidFill>
+                  <a:srgbClr val="24292F"/>
+                </a:solidFill>
+                <a:latin typeface="-apple-system"/>
+              </a:rPr>
+              <a:t> </a:t>
+            </a:r>
+            <a:r>
+              <a:rPr lang="en-US" b="1" i="0" dirty="0" err="1">
+                <a:solidFill>
+                  <a:srgbClr val="24292F"/>
+                </a:solidFill>
+                <a:latin typeface="-apple-system"/>
+              </a:rPr>
+              <a:t>lớn</a:t>
+            </a:r>
+            <a:r>
+              <a:rPr lang="en-US" b="1" i="0" dirty="0">
+                <a:solidFill>
+                  <a:srgbClr val="24292F"/>
+                </a:solidFill>
+                <a:latin typeface="-apple-system"/>
+              </a:rPr>
+              <a:t> </a:t>
+            </a:r>
+            <a:r>
+              <a:rPr lang="en-US" b="1" i="0" dirty="0" err="1">
+                <a:solidFill>
+                  <a:srgbClr val="24292F"/>
+                </a:solidFill>
+                <a:latin typeface="-apple-system"/>
+              </a:rPr>
+              <a:t>nhất</a:t>
+            </a:r>
+            <a:endParaRPr lang="en-US" b="1" i="0" dirty="0">
+              <a:solidFill>
+                <a:srgbClr val="24292F"/>
+              </a:solidFill>
+              <a:latin typeface="-apple-system"/>
+            </a:endParaRPr>
           </a:p>
           <a:p>
             <a:pPr lvl="1"/>
             <a:r>
+              <a:rPr lang="en-US" b="1" i="0" dirty="0" err="1">
+                <a:solidFill>
+                  <a:srgbClr val="24292F"/>
+                </a:solidFill>
+                <a:latin typeface="-apple-system"/>
+              </a:rPr>
+              <a:t>Vẽ</a:t>
+            </a:r>
+            <a:r>
               <a:rPr lang="en-US" b="1" i="0" dirty="0">
                 <a:solidFill>
                   <a:srgbClr val="24292F"/>
                 </a:solidFill>
-                <a:effectLst/>
                 <a:latin typeface="-apple-system"/>
               </a:rPr>
-              <a:t>Create bounding rectangle around the contour</a:t>
+              <a:t> </a:t>
+            </a:r>
+            <a:r>
+              <a:rPr lang="en-US" b="1" i="0" dirty="0" err="1">
+                <a:solidFill>
+                  <a:srgbClr val="24292F"/>
+                </a:solidFill>
+                <a:latin typeface="-apple-system"/>
+              </a:rPr>
+              <a:t>hình</a:t>
+            </a:r>
+            <a:r>
+              <a:rPr lang="en-US" b="1" i="0" dirty="0">
+                <a:solidFill>
+                  <a:srgbClr val="24292F"/>
+                </a:solidFill>
+                <a:latin typeface="-apple-system"/>
+              </a:rPr>
+              <a:t> </a:t>
+            </a:r>
+            <a:r>
+              <a:rPr lang="en-US" b="1" i="0" dirty="0" err="1">
+                <a:solidFill>
+                  <a:srgbClr val="24292F"/>
+                </a:solidFill>
+                <a:latin typeface="-apple-system"/>
+              </a:rPr>
+              <a:t>vuông</a:t>
+            </a:r>
+            <a:r>
+              <a:rPr lang="en-US" b="1" i="0" dirty="0">
+                <a:solidFill>
+                  <a:srgbClr val="24292F"/>
+                </a:solidFill>
+                <a:latin typeface="-apple-system"/>
+              </a:rPr>
+              <a:t> </a:t>
+            </a:r>
+            <a:r>
+              <a:rPr lang="en-US" b="1" i="0" dirty="0" err="1">
+                <a:solidFill>
+                  <a:srgbClr val="24292F"/>
+                </a:solidFill>
+                <a:latin typeface="-apple-system"/>
+              </a:rPr>
+              <a:t>xung</a:t>
+            </a:r>
+            <a:r>
+              <a:rPr lang="en-US" b="1" i="0" dirty="0">
+                <a:solidFill>
+                  <a:srgbClr val="24292F"/>
+                </a:solidFill>
+                <a:latin typeface="-apple-system"/>
+              </a:rPr>
+              <a:t> </a:t>
+            </a:r>
+            <a:r>
+              <a:rPr lang="en-US" b="1" i="0" dirty="0" err="1">
+                <a:solidFill>
+                  <a:srgbClr val="24292F"/>
+                </a:solidFill>
+                <a:latin typeface="-apple-system"/>
+              </a:rPr>
+              <a:t>quanh</a:t>
+            </a:r>
+            <a:r>
+              <a:rPr lang="en-US" b="1" i="0" dirty="0">
+                <a:solidFill>
+                  <a:srgbClr val="24292F"/>
+                </a:solidFill>
+                <a:latin typeface="-apple-system"/>
+              </a:rPr>
+              <a:t> contour</a:t>
             </a:r>
           </a:p>
           <a:p>
             <a:pPr lvl="1"/>
             <a:r>
+              <a:rPr lang="en-US" b="1" i="0" dirty="0" err="1">
+                <a:solidFill>
+                  <a:srgbClr val="24292F"/>
+                </a:solidFill>
+                <a:effectLst/>
+                <a:latin typeface="-apple-system"/>
+              </a:rPr>
+              <a:t>Tìm</a:t>
+            </a:r>
+            <a:r>
               <a:rPr lang="en-US" b="1" i="0" dirty="0">
                 <a:solidFill>
                   <a:srgbClr val="24292F"/>
@@ -9334,12 +9427,22 @@
                 <a:effectLst/>
                 <a:latin typeface="-apple-system"/>
               </a:rPr>
-              <a:t>Finding convex hull</a:t>
+              <a:t> convex hull</a:t>
             </a:r>
           </a:p>
           <a:p>
             <a:pPr lvl="1"/>
             <a:r>
+              <a:rPr lang="en-US" b="1" i="0" dirty="0" err="1">
+                <a:solidFill>
+                  <a:srgbClr val="24292F"/>
+                </a:solidFill>
+                <a:effectLst/>
+                <a:latin typeface="-apple-system"/>
+              </a:rPr>
+              <a:t>Vẽ</a:t>
+            </a:r>
+            <a:r>
               <a:rPr lang="en-US" b="1" i="0" dirty="0">
                 <a:solidFill>
                   <a:srgbClr val="24292F"/>
@@ -9347,7 +9450,7 @@
                 <a:effectLst/>
                 <a:latin typeface="-apple-system"/>
               </a:rPr>
-              <a:t>Drawing contours</a:t>
+              <a:t> contours</a:t>
             </a:r>
           </a:p>
           <a:p>
